--- a/images/banner.pptx
+++ b/images/banner.pptx
@@ -104,6 +104,11 @@
       </a:defRPr>
     </a:lvl9pPr>
   </p:defaultTextStyle>
+  <p:extLst>
+    <p:ext uri="{EFAFB233-063F-42B5-8137-9DF3F51BA10A}">
+      <p15:sldGuideLst xmlns:p15="http://schemas.microsoft.com/office/powerpoint/2012/main"/>
+    </p:ext>
+  </p:extLst>
 </p:presentation>
 </file>
 
@@ -254,7 +259,7 @@
           <a:p>
             <a:fld id="{9C038318-B232-9F4B-8602-7F932A277E09}" type="datetimeFigureOut">
               <a:rPr lang="en-US" smtClean="0"/>
-              <a:t>3/14/21</a:t>
+              <a:t>8/29/21</a:t>
             </a:fld>
             <a:endParaRPr lang="en-US"/>
           </a:p>
@@ -452,7 +457,7 @@
           <a:p>
             <a:fld id="{9C038318-B232-9F4B-8602-7F932A277E09}" type="datetimeFigureOut">
               <a:rPr lang="en-US" smtClean="0"/>
-              <a:t>3/14/21</a:t>
+              <a:t>8/29/21</a:t>
             </a:fld>
             <a:endParaRPr lang="en-US"/>
           </a:p>
@@ -660,7 +665,7 @@
           <a:p>
             <a:fld id="{9C038318-B232-9F4B-8602-7F932A277E09}" type="datetimeFigureOut">
               <a:rPr lang="en-US" smtClean="0"/>
-              <a:t>3/14/21</a:t>
+              <a:t>8/29/21</a:t>
             </a:fld>
             <a:endParaRPr lang="en-US"/>
           </a:p>
@@ -858,7 +863,7 @@
           <a:p>
             <a:fld id="{9C038318-B232-9F4B-8602-7F932A277E09}" type="datetimeFigureOut">
               <a:rPr lang="en-US" smtClean="0"/>
-              <a:t>3/14/21</a:t>
+              <a:t>8/29/21</a:t>
             </a:fld>
             <a:endParaRPr lang="en-US"/>
           </a:p>
@@ -1133,7 +1138,7 @@
           <a:p>
             <a:fld id="{9C038318-B232-9F4B-8602-7F932A277E09}" type="datetimeFigureOut">
               <a:rPr lang="en-US" smtClean="0"/>
-              <a:t>3/14/21</a:t>
+              <a:t>8/29/21</a:t>
             </a:fld>
             <a:endParaRPr lang="en-US"/>
           </a:p>
@@ -1398,7 +1403,7 @@
           <a:p>
             <a:fld id="{9C038318-B232-9F4B-8602-7F932A277E09}" type="datetimeFigureOut">
               <a:rPr lang="en-US" smtClean="0"/>
-              <a:t>3/14/21</a:t>
+              <a:t>8/29/21</a:t>
             </a:fld>
             <a:endParaRPr lang="en-US"/>
           </a:p>
@@ -1810,7 +1815,7 @@
           <a:p>
             <a:fld id="{9C038318-B232-9F4B-8602-7F932A277E09}" type="datetimeFigureOut">
               <a:rPr lang="en-US" smtClean="0"/>
-              <a:t>3/14/21</a:t>
+              <a:t>8/29/21</a:t>
             </a:fld>
             <a:endParaRPr lang="en-US"/>
           </a:p>
@@ -1951,7 +1956,7 @@
           <a:p>
             <a:fld id="{9C038318-B232-9F4B-8602-7F932A277E09}" type="datetimeFigureOut">
               <a:rPr lang="en-US" smtClean="0"/>
-              <a:t>3/14/21</a:t>
+              <a:t>8/29/21</a:t>
             </a:fld>
             <a:endParaRPr lang="en-US"/>
           </a:p>
@@ -2064,7 +2069,7 @@
           <a:p>
             <a:fld id="{9C038318-B232-9F4B-8602-7F932A277E09}" type="datetimeFigureOut">
               <a:rPr lang="en-US" smtClean="0"/>
-              <a:t>3/14/21</a:t>
+              <a:t>8/29/21</a:t>
             </a:fld>
             <a:endParaRPr lang="en-US"/>
           </a:p>
@@ -2375,7 +2380,7 @@
           <a:p>
             <a:fld id="{9C038318-B232-9F4B-8602-7F932A277E09}" type="datetimeFigureOut">
               <a:rPr lang="en-US" smtClean="0"/>
-              <a:t>3/14/21</a:t>
+              <a:t>8/29/21</a:t>
             </a:fld>
             <a:endParaRPr lang="en-US"/>
           </a:p>
@@ -2663,7 +2668,7 @@
           <a:p>
             <a:fld id="{9C038318-B232-9F4B-8602-7F932A277E09}" type="datetimeFigureOut">
               <a:rPr lang="en-US" smtClean="0"/>
-              <a:t>3/14/21</a:t>
+              <a:t>8/29/21</a:t>
             </a:fld>
             <a:endParaRPr lang="en-US"/>
           </a:p>
@@ -2904,7 +2909,7 @@
           <a:p>
             <a:fld id="{9C038318-B232-9F4B-8602-7F932A277E09}" type="datetimeFigureOut">
               <a:rPr lang="en-US" smtClean="0"/>
-              <a:t>3/14/21</a:t>
+              <a:t>8/29/21</a:t>
             </a:fld>
             <a:endParaRPr lang="en-US"/>
           </a:p>
@@ -3423,13 +3428,26 @@
           </a:p>
           <a:p>
             <a:r>
+              <a:rPr lang="en-US" strike="sngStrike" dirty="0">
+                <a:solidFill>
+                  <a:schemeClr val="bg1"/>
+                </a:solidFill>
+              </a:rPr>
+              <a:t>October 25, 2021</a:t>
+            </a:r>
+            <a:r>
               <a:rPr lang="en-US" dirty="0">
                 <a:solidFill>
                   <a:schemeClr val="bg1"/>
                 </a:solidFill>
               </a:rPr>
-              <a:t>October 25, 2021</a:t>
-            </a:r>
+              <a:t> January 31, 2022</a:t>
+            </a:r>
+            <a:endParaRPr lang="en-US" strike="sngStrike" dirty="0">
+              <a:solidFill>
+                <a:schemeClr val="bg1"/>
+              </a:solidFill>
+            </a:endParaRPr>
           </a:p>
           <a:p>
             <a:r>

--- a/images/banner.pptx
+++ b/images/banner.pptx
@@ -259,7 +259,7 @@
           <a:p>
             <a:fld id="{9C038318-B232-9F4B-8602-7F932A277E09}" type="datetimeFigureOut">
               <a:rPr lang="en-US" smtClean="0"/>
-              <a:t>8/29/21</a:t>
+              <a:t>1/17/22</a:t>
             </a:fld>
             <a:endParaRPr lang="en-US"/>
           </a:p>
@@ -457,7 +457,7 @@
           <a:p>
             <a:fld id="{9C038318-B232-9F4B-8602-7F932A277E09}" type="datetimeFigureOut">
               <a:rPr lang="en-US" smtClean="0"/>
-              <a:t>8/29/21</a:t>
+              <a:t>1/17/22</a:t>
             </a:fld>
             <a:endParaRPr lang="en-US"/>
           </a:p>
@@ -665,7 +665,7 @@
           <a:p>
             <a:fld id="{9C038318-B232-9F4B-8602-7F932A277E09}" type="datetimeFigureOut">
               <a:rPr lang="en-US" smtClean="0"/>
-              <a:t>8/29/21</a:t>
+              <a:t>1/17/22</a:t>
             </a:fld>
             <a:endParaRPr lang="en-US"/>
           </a:p>
@@ -863,7 +863,7 @@
           <a:p>
             <a:fld id="{9C038318-B232-9F4B-8602-7F932A277E09}" type="datetimeFigureOut">
               <a:rPr lang="en-US" smtClean="0"/>
-              <a:t>8/29/21</a:t>
+              <a:t>1/17/22</a:t>
             </a:fld>
             <a:endParaRPr lang="en-US"/>
           </a:p>
@@ -1138,7 +1138,7 @@
           <a:p>
             <a:fld id="{9C038318-B232-9F4B-8602-7F932A277E09}" type="datetimeFigureOut">
               <a:rPr lang="en-US" smtClean="0"/>
-              <a:t>8/29/21</a:t>
+              <a:t>1/17/22</a:t>
             </a:fld>
             <a:endParaRPr lang="en-US"/>
           </a:p>
@@ -1403,7 +1403,7 @@
           <a:p>
             <a:fld id="{9C038318-B232-9F4B-8602-7F932A277E09}" type="datetimeFigureOut">
               <a:rPr lang="en-US" smtClean="0"/>
-              <a:t>8/29/21</a:t>
+              <a:t>1/17/22</a:t>
             </a:fld>
             <a:endParaRPr lang="en-US"/>
           </a:p>
@@ -1815,7 +1815,7 @@
           <a:p>
             <a:fld id="{9C038318-B232-9F4B-8602-7F932A277E09}" type="datetimeFigureOut">
               <a:rPr lang="en-US" smtClean="0"/>
-              <a:t>8/29/21</a:t>
+              <a:t>1/17/22</a:t>
             </a:fld>
             <a:endParaRPr lang="en-US"/>
           </a:p>
@@ -1956,7 +1956,7 @@
           <a:p>
             <a:fld id="{9C038318-B232-9F4B-8602-7F932A277E09}" type="datetimeFigureOut">
               <a:rPr lang="en-US" smtClean="0"/>
-              <a:t>8/29/21</a:t>
+              <a:t>1/17/22</a:t>
             </a:fld>
             <a:endParaRPr lang="en-US"/>
           </a:p>
@@ -2069,7 +2069,7 @@
           <a:p>
             <a:fld id="{9C038318-B232-9F4B-8602-7F932A277E09}" type="datetimeFigureOut">
               <a:rPr lang="en-US" smtClean="0"/>
-              <a:t>8/29/21</a:t>
+              <a:t>1/17/22</a:t>
             </a:fld>
             <a:endParaRPr lang="en-US"/>
           </a:p>
@@ -2380,7 +2380,7 @@
           <a:p>
             <a:fld id="{9C038318-B232-9F4B-8602-7F932A277E09}" type="datetimeFigureOut">
               <a:rPr lang="en-US" smtClean="0"/>
-              <a:t>8/29/21</a:t>
+              <a:t>1/17/22</a:t>
             </a:fld>
             <a:endParaRPr lang="en-US"/>
           </a:p>
@@ -2668,7 +2668,7 @@
           <a:p>
             <a:fld id="{9C038318-B232-9F4B-8602-7F932A277E09}" type="datetimeFigureOut">
               <a:rPr lang="en-US" smtClean="0"/>
-              <a:t>8/29/21</a:t>
+              <a:t>1/17/22</a:t>
             </a:fld>
             <a:endParaRPr lang="en-US"/>
           </a:p>
@@ -2909,7 +2909,7 @@
           <a:p>
             <a:fld id="{9C038318-B232-9F4B-8602-7F932A277E09}" type="datetimeFigureOut">
               <a:rPr lang="en-US" smtClean="0"/>
-              <a:t>8/29/21</a:t>
+              <a:t>1/17/22</a:t>
             </a:fld>
             <a:endParaRPr lang="en-US"/>
           </a:p>
@@ -3441,7 +3441,7 @@
                   <a:schemeClr val="bg1"/>
                 </a:solidFill>
               </a:rPr>
-              <a:t> January 31, 2022</a:t>
+              <a:t> March 28, 2022</a:t>
             </a:r>
             <a:endParaRPr lang="en-US" strike="sngStrike" dirty="0">
               <a:solidFill>
